--- a/ITEMEditor/Manual/사용한ppt/itemedit.pptx
+++ b/ITEMEditor/Manual/사용한ppt/itemedit.pptx
@@ -11,12 +11,13 @@
     <p:sldId id="263" r:id="rId5"/>
     <p:sldId id="264" r:id="rId6"/>
     <p:sldId id="265" r:id="rId7"/>
-    <p:sldId id="266" r:id="rId8"/>
-    <p:sldId id="273" r:id="rId9"/>
-    <p:sldId id="274" r:id="rId10"/>
-    <p:sldId id="275" r:id="rId11"/>
-    <p:sldId id="276" r:id="rId12"/>
-    <p:sldId id="272" r:id="rId13"/>
+    <p:sldId id="277" r:id="rId8"/>
+    <p:sldId id="266" r:id="rId9"/>
+    <p:sldId id="273" r:id="rId10"/>
+    <p:sldId id="274" r:id="rId11"/>
+    <p:sldId id="275" r:id="rId12"/>
+    <p:sldId id="276" r:id="rId13"/>
+    <p:sldId id="272" r:id="rId14"/>
   </p:sldIdLst>
   <p:sldSz cx="12192000" cy="6858000"/>
   <p:notesSz cx="6858000" cy="9144000"/>
@@ -4623,7 +4624,7 @@
     </p:spTree>
     <p:extLst>
       <p:ext uri="{BB962C8B-B14F-4D97-AF65-F5344CB8AC3E}">
-        <p14:creationId xmlns:p14="http://schemas.microsoft.com/office/powerpoint/2010/main" val="530003534"/>
+        <p14:creationId xmlns:p14="http://schemas.microsoft.com/office/powerpoint/2010/main" val="801550896"/>
       </p:ext>
     </p:extLst>
   </p:cSld>
@@ -4694,6 +4695,77 @@
     </p:spTree>
     <p:extLst>
       <p:ext uri="{BB962C8B-B14F-4D97-AF65-F5344CB8AC3E}">
+        <p14:creationId xmlns:p14="http://schemas.microsoft.com/office/powerpoint/2010/main" val="530003534"/>
+      </p:ext>
+    </p:extLst>
+  </p:cSld>
+  <p:clrMapOvr>
+    <a:masterClrMapping/>
+  </p:clrMapOvr>
+</p:sld>
+</file>
+
+<file path=ppt/slides/slide12.xml><?xml version="1.0" encoding="utf-8"?>
+<p:sld xmlns:a="http://schemas.openxmlformats.org/drawingml/2006/main" xmlns:r="http://schemas.openxmlformats.org/officeDocument/2006/relationships" xmlns:p="http://schemas.openxmlformats.org/presentationml/2006/main">
+  <p:cSld>
+    <p:spTree>
+      <p:nvGrpSpPr>
+        <p:cNvPr id="1" name=""/>
+        <p:cNvGrpSpPr/>
+        <p:nvPr/>
+      </p:nvGrpSpPr>
+      <p:grpSpPr>
+        <a:xfrm>
+          <a:off x="0" y="0"/>
+          <a:ext cx="0" cy="0"/>
+          <a:chOff x="0" y="0"/>
+          <a:chExt cx="0" cy="0"/>
+        </a:xfrm>
+      </p:grpSpPr>
+      <p:sp>
+        <p:nvSpPr>
+          <p:cNvPr id="2" name="TextBox 1">
+            <a:extLst>
+              <a:ext uri="{FF2B5EF4-FFF2-40B4-BE49-F238E27FC236}">
+                <a16:creationId xmlns:a16="http://schemas.microsoft.com/office/drawing/2014/main" id="{0A26666D-8FCF-1135-1074-063F567EF7BF}"/>
+              </a:ext>
+            </a:extLst>
+          </p:cNvPr>
+          <p:cNvSpPr txBox="1"/>
+          <p:nvPr/>
+        </p:nvSpPr>
+        <p:spPr>
+          <a:xfrm>
+            <a:off x="169333" y="91701"/>
+            <a:ext cx="1921934" cy="646331"/>
+          </a:xfrm>
+          <a:prstGeom prst="rect">
+            <a:avLst/>
+          </a:prstGeom>
+          <a:noFill/>
+        </p:spPr>
+        <p:txBody>
+          <a:bodyPr wrap="square">
+            <a:spAutoFit/>
+          </a:bodyPr>
+          <a:lstStyle/>
+          <a:p>
+            <a:r>
+              <a:rPr lang="ko-KR" altLang="en-US"/>
+              <a:t>5.63</a:t>
+            </a:r>
+          </a:p>
+          <a:p>
+            <a:r>
+              <a:rPr lang="ko-KR" altLang="en-US"/>
+              <a:t>7.67</a:t>
+            </a:r>
+          </a:p>
+        </p:txBody>
+      </p:sp>
+    </p:spTree>
+    <p:extLst>
+      <p:ext uri="{BB962C8B-B14F-4D97-AF65-F5344CB8AC3E}">
         <p14:creationId xmlns:p14="http://schemas.microsoft.com/office/powerpoint/2010/main" val="3649730681"/>
       </p:ext>
     </p:extLst>
@@ -4704,7 +4776,7 @@
 </p:sld>
 </file>
 
-<file path=ppt/slides/slide12.xml><?xml version="1.0" encoding="utf-8"?>
+<file path=ppt/slides/slide13.xml><?xml version="1.0" encoding="utf-8"?>
 <p:sld xmlns:a="http://schemas.openxmlformats.org/drawingml/2006/main" xmlns:r="http://schemas.openxmlformats.org/officeDocument/2006/relationships" xmlns:p="http://schemas.openxmlformats.org/presentationml/2006/main">
   <p:cSld>
     <p:spTree>
@@ -5614,7 +5686,7 @@
         </p:nvSpPr>
         <p:spPr>
           <a:xfrm>
-            <a:off x="169333" y="91701"/>
+            <a:off x="0" y="-32498"/>
             <a:ext cx="1921934" cy="646331"/>
           </a:xfrm>
           <a:prstGeom prst="rect">
@@ -5641,6 +5713,236 @@
           </a:p>
         </p:txBody>
       </p:sp>
+      <p:pic>
+        <p:nvPicPr>
+          <p:cNvPr id="4" name="그림 3">
+            <a:extLst>
+              <a:ext uri="{FF2B5EF4-FFF2-40B4-BE49-F238E27FC236}">
+                <a16:creationId xmlns:a16="http://schemas.microsoft.com/office/drawing/2014/main" id="{DAEA3BB2-1930-B38C-E62D-698521D091B7}"/>
+              </a:ext>
+            </a:extLst>
+          </p:cNvPr>
+          <p:cNvPicPr>
+            <a:picLocks noChangeAspect="1"/>
+          </p:cNvPicPr>
+          <p:nvPr/>
+        </p:nvPicPr>
+        <p:blipFill>
+          <a:blip r:embed="rId2"/>
+          <a:stretch>
+            <a:fillRect/>
+          </a:stretch>
+        </p:blipFill>
+        <p:spPr>
+          <a:xfrm>
+            <a:off x="545441" y="738032"/>
+            <a:ext cx="6353175" cy="5829300"/>
+          </a:xfrm>
+          <a:prstGeom prst="rect">
+            <a:avLst/>
+          </a:prstGeom>
+        </p:spPr>
+      </p:pic>
+      <p:sp>
+        <p:nvSpPr>
+          <p:cNvPr id="5" name="직사각형 4">
+            <a:extLst>
+              <a:ext uri="{FF2B5EF4-FFF2-40B4-BE49-F238E27FC236}">
+                <a16:creationId xmlns:a16="http://schemas.microsoft.com/office/drawing/2014/main" id="{016DD95B-7470-1AC5-B5F2-C887182502D2}"/>
+              </a:ext>
+            </a:extLst>
+          </p:cNvPr>
+          <p:cNvSpPr/>
+          <p:nvPr/>
+        </p:nvSpPr>
+        <p:spPr>
+          <a:xfrm>
+            <a:off x="3937621" y="2479186"/>
+            <a:ext cx="1828800" cy="1993110"/>
+          </a:xfrm>
+          <a:prstGeom prst="rect">
+            <a:avLst/>
+          </a:prstGeom>
+          <a:noFill/>
+          <a:ln w="25400">
+            <a:solidFill>
+              <a:srgbClr val="FF0000"/>
+            </a:solidFill>
+          </a:ln>
+        </p:spPr>
+        <p:style>
+          <a:lnRef idx="2">
+            <a:schemeClr val="accent1">
+              <a:shade val="50000"/>
+            </a:schemeClr>
+          </a:lnRef>
+          <a:fillRef idx="1">
+            <a:schemeClr val="accent1"/>
+          </a:fillRef>
+          <a:effectRef idx="0">
+            <a:schemeClr val="accent1"/>
+          </a:effectRef>
+          <a:fontRef idx="minor">
+            <a:schemeClr val="lt1"/>
+          </a:fontRef>
+        </p:style>
+        <p:txBody>
+          <a:bodyPr rtlCol="0" anchor="ctr"/>
+          <a:lstStyle/>
+          <a:p>
+            <a:pPr algn="ctr"/>
+            <a:endParaRPr lang="ko-KR" altLang="en-US"/>
+          </a:p>
+        </p:txBody>
+      </p:sp>
+      <p:grpSp>
+        <p:nvGrpSpPr>
+          <p:cNvPr id="8" name="그룹 7">
+            <a:extLst>
+              <a:ext uri="{FF2B5EF4-FFF2-40B4-BE49-F238E27FC236}">
+                <a16:creationId xmlns:a16="http://schemas.microsoft.com/office/drawing/2014/main" id="{5062D65D-ED00-C637-313F-6E4B0D1E3F42}"/>
+              </a:ext>
+            </a:extLst>
+          </p:cNvPr>
+          <p:cNvGrpSpPr/>
+          <p:nvPr/>
+        </p:nvGrpSpPr>
+        <p:grpSpPr>
+          <a:xfrm>
+            <a:off x="6016625" y="1200111"/>
+            <a:ext cx="5819775" cy="4057650"/>
+            <a:chOff x="3186112" y="1400175"/>
+            <a:chExt cx="5819775" cy="4057650"/>
+          </a:xfrm>
+        </p:grpSpPr>
+        <p:pic>
+          <p:nvPicPr>
+            <p:cNvPr id="9" name="그림 8">
+              <a:extLst>
+                <a:ext uri="{FF2B5EF4-FFF2-40B4-BE49-F238E27FC236}">
+                  <a16:creationId xmlns:a16="http://schemas.microsoft.com/office/drawing/2014/main" id="{9C6FF463-A9FB-1517-5B8E-6ACF88683E59}"/>
+                </a:ext>
+              </a:extLst>
+            </p:cNvPr>
+            <p:cNvPicPr>
+              <a:picLocks noChangeAspect="1"/>
+            </p:cNvPicPr>
+            <p:nvPr/>
+          </p:nvPicPr>
+          <p:blipFill>
+            <a:blip r:embed="rId3"/>
+            <a:stretch>
+              <a:fillRect/>
+            </a:stretch>
+          </p:blipFill>
+          <p:spPr>
+            <a:xfrm>
+              <a:off x="3186112" y="1400175"/>
+              <a:ext cx="5819775" cy="4057650"/>
+            </a:xfrm>
+            <a:prstGeom prst="rect">
+              <a:avLst/>
+            </a:prstGeom>
+          </p:spPr>
+        </p:pic>
+        <p:sp>
+          <p:nvSpPr>
+            <p:cNvPr id="10" name="타원 9">
+              <a:extLst>
+                <a:ext uri="{FF2B5EF4-FFF2-40B4-BE49-F238E27FC236}">
+                  <a16:creationId xmlns:a16="http://schemas.microsoft.com/office/drawing/2014/main" id="{18881E01-DBC8-6FED-BCF1-49E5628B6E52}"/>
+                </a:ext>
+              </a:extLst>
+            </p:cNvPr>
+            <p:cNvSpPr/>
+            <p:nvPr/>
+          </p:nvSpPr>
+          <p:spPr>
+            <a:xfrm>
+              <a:off x="5018049" y="2475571"/>
+              <a:ext cx="2051824" cy="836341"/>
+            </a:xfrm>
+            <a:prstGeom prst="ellipse">
+              <a:avLst/>
+            </a:prstGeom>
+            <a:noFill/>
+            <a:ln w="19050">
+              <a:solidFill>
+                <a:srgbClr val="FF0000"/>
+              </a:solidFill>
+            </a:ln>
+          </p:spPr>
+          <p:style>
+            <a:lnRef idx="2">
+              <a:schemeClr val="accent1">
+                <a:shade val="15000"/>
+              </a:schemeClr>
+            </a:lnRef>
+            <a:fillRef idx="1">
+              <a:schemeClr val="accent1"/>
+            </a:fillRef>
+            <a:effectRef idx="0">
+              <a:schemeClr val="accent1"/>
+            </a:effectRef>
+            <a:fontRef idx="minor">
+              <a:schemeClr val="lt1"/>
+            </a:fontRef>
+          </p:style>
+          <p:txBody>
+            <a:bodyPr rtlCol="0" anchor="ctr"/>
+            <a:lstStyle/>
+            <a:p>
+              <a:pPr algn="ctr"/>
+              <a:endParaRPr lang="ko-KR" altLang="en-US"/>
+            </a:p>
+          </p:txBody>
+        </p:sp>
+      </p:grpSp>
+      <p:cxnSp>
+        <p:nvCxnSpPr>
+          <p:cNvPr id="12" name="직선 화살표 연결선 11">
+            <a:extLst>
+              <a:ext uri="{FF2B5EF4-FFF2-40B4-BE49-F238E27FC236}">
+                <a16:creationId xmlns:a16="http://schemas.microsoft.com/office/drawing/2014/main" id="{368EA311-EDCB-0989-FBBF-17A5E29FB4B7}"/>
+              </a:ext>
+            </a:extLst>
+          </p:cNvPr>
+          <p:cNvCxnSpPr>
+            <a:cxnSpLocks/>
+            <a:endCxn id="9" idx="1"/>
+          </p:cNvCxnSpPr>
+          <p:nvPr/>
+        </p:nvCxnSpPr>
+        <p:spPr>
+          <a:xfrm flipV="1">
+            <a:off x="5740400" y="3228936"/>
+            <a:ext cx="276225" cy="200064"/>
+          </a:xfrm>
+          <a:prstGeom prst="straightConnector1">
+            <a:avLst/>
+          </a:prstGeom>
+          <a:ln w="19050">
+            <a:solidFill>
+              <a:srgbClr val="FF0000"/>
+            </a:solidFill>
+            <a:tailEnd type="triangle"/>
+          </a:ln>
+        </p:spPr>
+        <p:style>
+          <a:lnRef idx="1">
+            <a:schemeClr val="accent1"/>
+          </a:lnRef>
+          <a:fillRef idx="0">
+            <a:schemeClr val="accent1"/>
+          </a:fillRef>
+          <a:effectRef idx="0">
+            <a:schemeClr val="accent1"/>
+          </a:effectRef>
+          <a:fontRef idx="minor">
+            <a:schemeClr val="tx1"/>
+          </a:fontRef>
+        </p:style>
+      </p:cxnSp>
     </p:spTree>
     <p:extLst>
       <p:ext uri="{BB962C8B-B14F-4D97-AF65-F5344CB8AC3E}">
@@ -5676,7 +5978,7 @@
           <p:cNvPr id="2" name="TextBox 1">
             <a:extLst>
               <a:ext uri="{FF2B5EF4-FFF2-40B4-BE49-F238E27FC236}">
-                <a16:creationId xmlns:a16="http://schemas.microsoft.com/office/drawing/2014/main" id="{0A26666D-8FCF-1135-1074-063F567EF7BF}"/>
+                <a16:creationId xmlns:a16="http://schemas.microsoft.com/office/drawing/2014/main" id="{815585A3-5B64-F70C-94DA-767A76F8BE53}"/>
               </a:ext>
             </a:extLst>
           </p:cNvPr>
@@ -5685,7 +5987,7 @@
         </p:nvSpPr>
         <p:spPr>
           <a:xfrm>
-            <a:off x="169333" y="91701"/>
+            <a:off x="0" y="-32498"/>
             <a:ext cx="1921934" cy="646331"/>
           </a:xfrm>
           <a:prstGeom prst="rect">
@@ -5712,10 +6014,241 @@
           </a:p>
         </p:txBody>
       </p:sp>
+      <p:pic>
+        <p:nvPicPr>
+          <p:cNvPr id="4" name="그림 3">
+            <a:extLst>
+              <a:ext uri="{FF2B5EF4-FFF2-40B4-BE49-F238E27FC236}">
+                <a16:creationId xmlns:a16="http://schemas.microsoft.com/office/drawing/2014/main" id="{DAEA3BB2-1930-B38C-E62D-698521D091B7}"/>
+              </a:ext>
+            </a:extLst>
+          </p:cNvPr>
+          <p:cNvPicPr>
+            <a:picLocks noChangeAspect="1"/>
+          </p:cNvPicPr>
+          <p:nvPr/>
+        </p:nvPicPr>
+        <p:blipFill>
+          <a:blip r:embed="rId2"/>
+          <a:stretch>
+            <a:fillRect/>
+          </a:stretch>
+        </p:blipFill>
+        <p:spPr>
+          <a:xfrm>
+            <a:off x="545441" y="738032"/>
+            <a:ext cx="6353175" cy="5829300"/>
+          </a:xfrm>
+          <a:prstGeom prst="rect">
+            <a:avLst/>
+          </a:prstGeom>
+        </p:spPr>
+      </p:pic>
+      <p:sp>
+        <p:nvSpPr>
+          <p:cNvPr id="5" name="직사각형 4">
+            <a:extLst>
+              <a:ext uri="{FF2B5EF4-FFF2-40B4-BE49-F238E27FC236}">
+                <a16:creationId xmlns:a16="http://schemas.microsoft.com/office/drawing/2014/main" id="{016DD95B-7470-1AC5-B5F2-C887182502D2}"/>
+              </a:ext>
+            </a:extLst>
+          </p:cNvPr>
+          <p:cNvSpPr/>
+          <p:nvPr/>
+        </p:nvSpPr>
+        <p:spPr>
+          <a:xfrm>
+            <a:off x="3911600" y="4698421"/>
+            <a:ext cx="1828800" cy="759404"/>
+          </a:xfrm>
+          <a:prstGeom prst="rect">
+            <a:avLst/>
+          </a:prstGeom>
+          <a:noFill/>
+          <a:ln w="25400">
+            <a:solidFill>
+              <a:srgbClr val="FF0000"/>
+            </a:solidFill>
+          </a:ln>
+        </p:spPr>
+        <p:style>
+          <a:lnRef idx="2">
+            <a:schemeClr val="accent1">
+              <a:shade val="50000"/>
+            </a:schemeClr>
+          </a:lnRef>
+          <a:fillRef idx="1">
+            <a:schemeClr val="accent1"/>
+          </a:fillRef>
+          <a:effectRef idx="0">
+            <a:schemeClr val="accent1"/>
+          </a:effectRef>
+          <a:fontRef idx="minor">
+            <a:schemeClr val="lt1"/>
+          </a:fontRef>
+        </p:style>
+        <p:txBody>
+          <a:bodyPr rtlCol="0" anchor="ctr"/>
+          <a:lstStyle/>
+          <a:p>
+            <a:pPr algn="ctr"/>
+            <a:endParaRPr lang="ko-KR" altLang="en-US"/>
+          </a:p>
+        </p:txBody>
+      </p:sp>
+      <p:grpSp>
+        <p:nvGrpSpPr>
+          <p:cNvPr id="8" name="그룹 7">
+            <a:extLst>
+              <a:ext uri="{FF2B5EF4-FFF2-40B4-BE49-F238E27FC236}">
+                <a16:creationId xmlns:a16="http://schemas.microsoft.com/office/drawing/2014/main" id="{5062D65D-ED00-C637-313F-6E4B0D1E3F42}"/>
+              </a:ext>
+            </a:extLst>
+          </p:cNvPr>
+          <p:cNvGrpSpPr/>
+          <p:nvPr/>
+        </p:nvGrpSpPr>
+        <p:grpSpPr>
+          <a:xfrm>
+            <a:off x="6134100" y="1847811"/>
+            <a:ext cx="5819775" cy="4057650"/>
+            <a:chOff x="3186112" y="1400175"/>
+            <a:chExt cx="5819775" cy="4057650"/>
+          </a:xfrm>
+        </p:grpSpPr>
+        <p:pic>
+          <p:nvPicPr>
+            <p:cNvPr id="9" name="그림 8">
+              <a:extLst>
+                <a:ext uri="{FF2B5EF4-FFF2-40B4-BE49-F238E27FC236}">
+                  <a16:creationId xmlns:a16="http://schemas.microsoft.com/office/drawing/2014/main" id="{9C6FF463-A9FB-1517-5B8E-6ACF88683E59}"/>
+                </a:ext>
+              </a:extLst>
+            </p:cNvPr>
+            <p:cNvPicPr>
+              <a:picLocks noChangeAspect="1"/>
+            </p:cNvPicPr>
+            <p:nvPr/>
+          </p:nvPicPr>
+          <p:blipFill>
+            <a:blip r:embed="rId3"/>
+            <a:stretch>
+              <a:fillRect/>
+            </a:stretch>
+          </p:blipFill>
+          <p:spPr>
+            <a:xfrm>
+              <a:off x="3186112" y="1400175"/>
+              <a:ext cx="5819775" cy="4057650"/>
+            </a:xfrm>
+            <a:prstGeom prst="rect">
+              <a:avLst/>
+            </a:prstGeom>
+          </p:spPr>
+        </p:pic>
+        <p:sp>
+          <p:nvSpPr>
+            <p:cNvPr id="10" name="타원 9">
+              <a:extLst>
+                <a:ext uri="{FF2B5EF4-FFF2-40B4-BE49-F238E27FC236}">
+                  <a16:creationId xmlns:a16="http://schemas.microsoft.com/office/drawing/2014/main" id="{18881E01-DBC8-6FED-BCF1-49E5628B6E52}"/>
+                </a:ext>
+              </a:extLst>
+            </p:cNvPr>
+            <p:cNvSpPr/>
+            <p:nvPr/>
+          </p:nvSpPr>
+          <p:spPr>
+            <a:xfrm>
+              <a:off x="5018049" y="2475571"/>
+              <a:ext cx="2051824" cy="836341"/>
+            </a:xfrm>
+            <a:prstGeom prst="ellipse">
+              <a:avLst/>
+            </a:prstGeom>
+            <a:noFill/>
+            <a:ln w="19050">
+              <a:solidFill>
+                <a:srgbClr val="FF0000"/>
+              </a:solidFill>
+            </a:ln>
+          </p:spPr>
+          <p:style>
+            <a:lnRef idx="2">
+              <a:schemeClr val="accent1">
+                <a:shade val="15000"/>
+              </a:schemeClr>
+            </a:lnRef>
+            <a:fillRef idx="1">
+              <a:schemeClr val="accent1"/>
+            </a:fillRef>
+            <a:effectRef idx="0">
+              <a:schemeClr val="accent1"/>
+            </a:effectRef>
+            <a:fontRef idx="minor">
+              <a:schemeClr val="lt1"/>
+            </a:fontRef>
+          </p:style>
+          <p:txBody>
+            <a:bodyPr rtlCol="0" anchor="ctr"/>
+            <a:lstStyle/>
+            <a:p>
+              <a:pPr algn="ctr"/>
+              <a:endParaRPr lang="ko-KR" altLang="en-US"/>
+            </a:p>
+          </p:txBody>
+        </p:sp>
+      </p:grpSp>
+      <p:cxnSp>
+        <p:nvCxnSpPr>
+          <p:cNvPr id="12" name="직선 화살표 연결선 11">
+            <a:extLst>
+              <a:ext uri="{FF2B5EF4-FFF2-40B4-BE49-F238E27FC236}">
+                <a16:creationId xmlns:a16="http://schemas.microsoft.com/office/drawing/2014/main" id="{368EA311-EDCB-0989-FBBF-17A5E29FB4B7}"/>
+              </a:ext>
+            </a:extLst>
+          </p:cNvPr>
+          <p:cNvCxnSpPr>
+            <a:cxnSpLocks/>
+            <a:stCxn id="5" idx="3"/>
+            <a:endCxn id="9" idx="1"/>
+          </p:cNvCxnSpPr>
+          <p:nvPr/>
+        </p:nvCxnSpPr>
+        <p:spPr>
+          <a:xfrm flipV="1">
+            <a:off x="5740400" y="3876636"/>
+            <a:ext cx="393700" cy="1201487"/>
+          </a:xfrm>
+          <a:prstGeom prst="straightConnector1">
+            <a:avLst/>
+          </a:prstGeom>
+          <a:ln w="19050">
+            <a:solidFill>
+              <a:srgbClr val="FF0000"/>
+            </a:solidFill>
+            <a:tailEnd type="triangle"/>
+          </a:ln>
+        </p:spPr>
+        <p:style>
+          <a:lnRef idx="1">
+            <a:schemeClr val="accent1"/>
+          </a:lnRef>
+          <a:fillRef idx="0">
+            <a:schemeClr val="accent1"/>
+          </a:fillRef>
+          <a:effectRef idx="0">
+            <a:schemeClr val="accent1"/>
+          </a:effectRef>
+          <a:fontRef idx="minor">
+            <a:schemeClr val="tx1"/>
+          </a:fontRef>
+        </p:style>
+      </p:cxnSp>
     </p:spTree>
     <p:extLst>
       <p:ext uri="{BB962C8B-B14F-4D97-AF65-F5344CB8AC3E}">
-        <p14:creationId xmlns:p14="http://schemas.microsoft.com/office/powerpoint/2010/main" val="3138004991"/>
+        <p14:creationId xmlns:p14="http://schemas.microsoft.com/office/powerpoint/2010/main" val="3200434880"/>
       </p:ext>
     </p:extLst>
   </p:cSld>
@@ -5783,10 +6316,113 @@
           </a:p>
         </p:txBody>
       </p:sp>
+      <p:grpSp>
+        <p:nvGrpSpPr>
+          <p:cNvPr id="8" name="그룹 7">
+            <a:extLst>
+              <a:ext uri="{FF2B5EF4-FFF2-40B4-BE49-F238E27FC236}">
+                <a16:creationId xmlns:a16="http://schemas.microsoft.com/office/drawing/2014/main" id="{D45EE862-AFFC-AFE8-0A4A-7036D12E79AB}"/>
+              </a:ext>
+            </a:extLst>
+          </p:cNvPr>
+          <p:cNvGrpSpPr/>
+          <p:nvPr/>
+        </p:nvGrpSpPr>
+        <p:grpSpPr>
+          <a:xfrm>
+            <a:off x="3186112" y="1400175"/>
+            <a:ext cx="5819775" cy="4057650"/>
+            <a:chOff x="3186112" y="1400175"/>
+            <a:chExt cx="5819775" cy="4057650"/>
+          </a:xfrm>
+        </p:grpSpPr>
+        <p:pic>
+          <p:nvPicPr>
+            <p:cNvPr id="6" name="그림 5">
+              <a:extLst>
+                <a:ext uri="{FF2B5EF4-FFF2-40B4-BE49-F238E27FC236}">
+                  <a16:creationId xmlns:a16="http://schemas.microsoft.com/office/drawing/2014/main" id="{6FDB442D-51E8-2ED5-DC26-F18C331F3614}"/>
+                </a:ext>
+              </a:extLst>
+            </p:cNvPr>
+            <p:cNvPicPr>
+              <a:picLocks noChangeAspect="1"/>
+            </p:cNvPicPr>
+            <p:nvPr/>
+          </p:nvPicPr>
+          <p:blipFill>
+            <a:blip r:embed="rId2"/>
+            <a:stretch>
+              <a:fillRect/>
+            </a:stretch>
+          </p:blipFill>
+          <p:spPr>
+            <a:xfrm>
+              <a:off x="3186112" y="1400175"/>
+              <a:ext cx="5819775" cy="4057650"/>
+            </a:xfrm>
+            <a:prstGeom prst="rect">
+              <a:avLst/>
+            </a:prstGeom>
+          </p:spPr>
+        </p:pic>
+        <p:sp>
+          <p:nvSpPr>
+            <p:cNvPr id="7" name="타원 6">
+              <a:extLst>
+                <a:ext uri="{FF2B5EF4-FFF2-40B4-BE49-F238E27FC236}">
+                  <a16:creationId xmlns:a16="http://schemas.microsoft.com/office/drawing/2014/main" id="{BA058EA0-0CB7-552A-3741-461CA7D81A6D}"/>
+                </a:ext>
+              </a:extLst>
+            </p:cNvPr>
+            <p:cNvSpPr/>
+            <p:nvPr/>
+          </p:nvSpPr>
+          <p:spPr>
+            <a:xfrm>
+              <a:off x="5018049" y="2475571"/>
+              <a:ext cx="2051824" cy="836341"/>
+            </a:xfrm>
+            <a:prstGeom prst="ellipse">
+              <a:avLst/>
+            </a:prstGeom>
+            <a:noFill/>
+            <a:ln w="19050">
+              <a:solidFill>
+                <a:srgbClr val="FF0000"/>
+              </a:solidFill>
+            </a:ln>
+          </p:spPr>
+          <p:style>
+            <a:lnRef idx="2">
+              <a:schemeClr val="accent1">
+                <a:shade val="15000"/>
+              </a:schemeClr>
+            </a:lnRef>
+            <a:fillRef idx="1">
+              <a:schemeClr val="accent1"/>
+            </a:fillRef>
+            <a:effectRef idx="0">
+              <a:schemeClr val="accent1"/>
+            </a:effectRef>
+            <a:fontRef idx="minor">
+              <a:schemeClr val="lt1"/>
+            </a:fontRef>
+          </p:style>
+          <p:txBody>
+            <a:bodyPr rtlCol="0" anchor="ctr"/>
+            <a:lstStyle/>
+            <a:p>
+              <a:pPr algn="ctr"/>
+              <a:endParaRPr lang="ko-KR" altLang="en-US"/>
+            </a:p>
+          </p:txBody>
+        </p:sp>
+      </p:grpSp>
     </p:spTree>
     <p:extLst>
       <p:ext uri="{BB962C8B-B14F-4D97-AF65-F5344CB8AC3E}">
-        <p14:creationId xmlns:p14="http://schemas.microsoft.com/office/powerpoint/2010/main" val="125301434"/>
+        <p14:creationId xmlns:p14="http://schemas.microsoft.com/office/powerpoint/2010/main" val="3138004991"/>
       </p:ext>
     </p:extLst>
   </p:cSld>
@@ -5857,7 +6493,7 @@
     </p:spTree>
     <p:extLst>
       <p:ext uri="{BB962C8B-B14F-4D97-AF65-F5344CB8AC3E}">
-        <p14:creationId xmlns:p14="http://schemas.microsoft.com/office/powerpoint/2010/main" val="801550896"/>
+        <p14:creationId xmlns:p14="http://schemas.microsoft.com/office/powerpoint/2010/main" val="125301434"/>
       </p:ext>
     </p:extLst>
   </p:cSld>
